--- a/nginx.pptx
+++ b/nginx.pptx
@@ -5,7 +5,7 @@
     <p:sldMasterId id="2147483648" r:id="rId1"/>
   </p:sldMasterIdLst>
   <p:notesMasterIdLst>
-    <p:notesMasterId r:id="rId23"/>
+    <p:notesMasterId r:id="rId32"/>
   </p:notesMasterIdLst>
   <p:sldIdLst>
     <p:sldId id="256" r:id="rId2"/>
@@ -29,6 +29,15 @@
     <p:sldId id="276" r:id="rId20"/>
     <p:sldId id="268" r:id="rId21"/>
     <p:sldId id="262" r:id="rId22"/>
+    <p:sldId id="277" r:id="rId23"/>
+    <p:sldId id="278" r:id="rId24"/>
+    <p:sldId id="279" r:id="rId25"/>
+    <p:sldId id="280" r:id="rId26"/>
+    <p:sldId id="281" r:id="rId27"/>
+    <p:sldId id="282" r:id="rId28"/>
+    <p:sldId id="283" r:id="rId29"/>
+    <p:sldId id="284" r:id="rId30"/>
+    <p:sldId id="285" r:id="rId31"/>
   </p:sldIdLst>
   <p:sldSz cx="12192000" cy="6858000"/>
   <p:notesSz cx="6858000" cy="9144000"/>
@@ -144,7 +153,7 @@
       </p:ext>
     </p:extLst>
   </p:cmAuthor>
-  <p:cmAuthor id="2" name="User" initials="U" lastIdx="1" clrIdx="1">
+  <p:cmAuthor id="2" name="User" initials="U" lastIdx="3" clrIdx="1">
     <p:extLst>
       <p:ext uri="{19B8F6BF-5375-455C-9EA6-DF929625EA0E}">
         <p15:presenceInfo xmlns:p15="http://schemas.microsoft.com/office/powerpoint/2012/main" userId="User" providerId="None"/>
@@ -239,6 +248,31 @@
 </file>
 
 <file path=ppt/comments/comment4.xml><?xml version="1.0" encoding="utf-8"?>
+<p:cmLst xmlns:a="http://schemas.openxmlformats.org/drawingml/2006/main" xmlns:r="http://schemas.openxmlformats.org/officeDocument/2006/relationships" xmlns:p="http://schemas.openxmlformats.org/presentationml/2006/main">
+  <p:cm authorId="2" dt="2018-08-21T07:45:38.901" idx="2">
+    <p:pos x="10" y="10"/>
+    <p:text>正则表达式和优先级</p:text>
+    <p:extLst>
+      <p:ext uri="{C676402C-5697-4E1C-873F-D02D1690AC5C}">
+        <p15:threadingInfo xmlns:p15="http://schemas.microsoft.com/office/powerpoint/2012/main" timeZoneBias="-480"/>
+      </p:ext>
+    </p:extLst>
+  </p:cm>
+  <p:cm authorId="2" dt="2018-08-21T07:45:56.625" idx="3">
+    <p:pos x="10" y="146"/>
+    <p:text>http://seanlook.com/2015/05/17/nginx-location-rewrite/</p:text>
+    <p:extLst>
+      <p:ext uri="{C676402C-5697-4E1C-873F-D02D1690AC5C}">
+        <p15:threadingInfo xmlns:p15="http://schemas.microsoft.com/office/powerpoint/2012/main" timeZoneBias="-480">
+          <p15:parentCm authorId="2" idx="2"/>
+        </p15:threadingInfo>
+      </p:ext>
+    </p:extLst>
+  </p:cm>
+</p:cmLst>
+</file>
+
+<file path=ppt/comments/comment5.xml><?xml version="1.0" encoding="utf-8"?>
 <p:cmLst xmlns:a="http://schemas.openxmlformats.org/drawingml/2006/main" xmlns:r="http://schemas.openxmlformats.org/officeDocument/2006/relationships" xmlns:p="http://schemas.openxmlformats.org/presentationml/2006/main">
   <p:cm authorId="2" dt="2018-08-20T12:07:26.179" idx="1">
     <p:pos x="10" y="10"/>
@@ -1432,6 +1466,810 @@
     <p:extLst>
       <p:ext uri="{BB962C8B-B14F-4D97-AF65-F5344CB8AC3E}">
         <p14:creationId xmlns:p14="http://schemas.microsoft.com/office/powerpoint/2010/main" val="2194009897"/>
+      </p:ext>
+    </p:extLst>
+  </p:cSld>
+  <p:clrMapOvr>
+    <a:masterClrMapping/>
+  </p:clrMapOvr>
+</p:notes>
+</file>
+
+<file path=ppt/notesSlides/notesSlide6.xml><?xml version="1.0" encoding="utf-8"?>
+<p:notes xmlns:a="http://schemas.openxmlformats.org/drawingml/2006/main" xmlns:r="http://schemas.openxmlformats.org/officeDocument/2006/relationships" xmlns:p="http://schemas.openxmlformats.org/presentationml/2006/main">
+  <p:cSld>
+    <p:spTree>
+      <p:nvGrpSpPr>
+        <p:cNvPr id="1" name=""/>
+        <p:cNvGrpSpPr/>
+        <p:nvPr/>
+      </p:nvGrpSpPr>
+      <p:grpSpPr>
+        <a:xfrm>
+          <a:off x="0" y="0"/>
+          <a:ext cx="0" cy="0"/>
+          <a:chOff x="0" y="0"/>
+          <a:chExt cx="0" cy="0"/>
+        </a:xfrm>
+      </p:grpSpPr>
+      <p:sp>
+        <p:nvSpPr>
+          <p:cNvPr id="2" name="幻灯片图像占位符 1"/>
+          <p:cNvSpPr>
+            <a:spLocks noGrp="1" noRot="1" noChangeAspect="1"/>
+          </p:cNvSpPr>
+          <p:nvPr>
+            <p:ph type="sldImg"/>
+          </p:nvPr>
+        </p:nvSpPr>
+        <p:spPr/>
+      </p:sp>
+      <p:sp>
+        <p:nvSpPr>
+          <p:cNvPr id="3" name="备注占位符 2"/>
+          <p:cNvSpPr>
+            <a:spLocks noGrp="1"/>
+          </p:cNvSpPr>
+          <p:nvPr>
+            <p:ph type="body" idx="1"/>
+          </p:nvPr>
+        </p:nvSpPr>
+        <p:spPr/>
+        <p:txBody>
+          <a:bodyPr/>
+          <a:lstStyle/>
+          <a:p>
+            <a:r>
+              <a:rPr lang="en-US" altLang="zh-CN" sz="1200" b="0" i="0" kern="1200" dirty="0" err="1" smtClean="0">
+                <a:solidFill>
+                  <a:schemeClr val="tx1"/>
+                </a:solidFill>
+                <a:effectLst/>
+                <a:latin typeface="+mn-lt"/>
+                <a:ea typeface="+mn-ea"/>
+                <a:cs typeface="+mn-cs"/>
+              </a:rPr>
+              <a:t>limit_conn</a:t>
+            </a:r>
+            <a:r>
+              <a:rPr lang="en-US" altLang="zh-CN" sz="1200" b="0" i="0" kern="1200" dirty="0" smtClean="0">
+                <a:solidFill>
+                  <a:schemeClr val="tx1"/>
+                </a:solidFill>
+                <a:effectLst/>
+                <a:latin typeface="+mn-lt"/>
+                <a:ea typeface="+mn-ea"/>
+                <a:cs typeface="+mn-cs"/>
+              </a:rPr>
+              <a:t> one 50 </a:t>
+            </a:r>
+            <a:r>
+              <a:rPr lang="zh-CN" altLang="en-US" sz="1200" b="0" i="0" kern="1200" dirty="0" smtClean="0">
+                <a:solidFill>
+                  <a:schemeClr val="tx1"/>
+                </a:solidFill>
+                <a:effectLst/>
+                <a:latin typeface="+mn-lt"/>
+                <a:ea typeface="+mn-ea"/>
+                <a:cs typeface="+mn-cs"/>
+              </a:rPr>
+              <a:t>限制每</a:t>
+            </a:r>
+            <a:r>
+              <a:rPr lang="en-US" altLang="zh-CN" sz="1200" b="0" i="0" kern="1200" dirty="0" err="1" smtClean="0">
+                <a:solidFill>
+                  <a:schemeClr val="tx1"/>
+                </a:solidFill>
+                <a:effectLst/>
+                <a:latin typeface="+mn-lt"/>
+                <a:ea typeface="+mn-ea"/>
+                <a:cs typeface="+mn-cs"/>
+              </a:rPr>
+              <a:t>ip</a:t>
+            </a:r>
+            <a:r>
+              <a:rPr lang="zh-CN" altLang="en-US" sz="1200" b="0" i="0" kern="1200" dirty="0" smtClean="0">
+                <a:solidFill>
+                  <a:schemeClr val="tx1"/>
+                </a:solidFill>
+                <a:effectLst/>
+                <a:latin typeface="+mn-lt"/>
+                <a:ea typeface="+mn-ea"/>
+                <a:cs typeface="+mn-cs"/>
+              </a:rPr>
+              <a:t>每秒不超过</a:t>
+            </a:r>
+            <a:r>
+              <a:rPr lang="en-US" altLang="zh-CN" sz="1200" b="0" i="0" kern="1200" dirty="0" smtClean="0">
+                <a:solidFill>
+                  <a:schemeClr val="tx1"/>
+                </a:solidFill>
+                <a:effectLst/>
+                <a:latin typeface="+mn-lt"/>
+                <a:ea typeface="+mn-ea"/>
+                <a:cs typeface="+mn-cs"/>
+              </a:rPr>
+              <a:t>50</a:t>
+            </a:r>
+            <a:r>
+              <a:rPr lang="zh-CN" altLang="en-US" sz="1200" b="0" i="0" kern="1200" dirty="0" smtClean="0">
+                <a:solidFill>
+                  <a:schemeClr val="tx1"/>
+                </a:solidFill>
+                <a:effectLst/>
+                <a:latin typeface="+mn-lt"/>
+                <a:ea typeface="+mn-ea"/>
+                <a:cs typeface="+mn-cs"/>
+              </a:rPr>
+              <a:t>个请求，漏桶数</a:t>
+            </a:r>
+            <a:r>
+              <a:rPr lang="en-US" altLang="zh-CN" sz="1200" b="0" i="0" kern="1200" dirty="0" smtClean="0">
+                <a:solidFill>
+                  <a:schemeClr val="tx1"/>
+                </a:solidFill>
+                <a:effectLst/>
+                <a:latin typeface="+mn-lt"/>
+                <a:ea typeface="+mn-ea"/>
+                <a:cs typeface="+mn-cs"/>
+              </a:rPr>
+              <a:t>burst</a:t>
+            </a:r>
+            <a:r>
+              <a:rPr lang="zh-CN" altLang="en-US" sz="1200" b="0" i="0" kern="1200" dirty="0" smtClean="0">
+                <a:solidFill>
+                  <a:schemeClr val="tx1"/>
+                </a:solidFill>
+                <a:effectLst/>
+                <a:latin typeface="+mn-lt"/>
+                <a:ea typeface="+mn-ea"/>
+                <a:cs typeface="+mn-cs"/>
+              </a:rPr>
+              <a:t>为</a:t>
+            </a:r>
+            <a:r>
+              <a:rPr lang="en-US" altLang="zh-CN" sz="1200" b="0" i="0" kern="1200" dirty="0" smtClean="0">
+                <a:solidFill>
+                  <a:schemeClr val="tx1"/>
+                </a:solidFill>
+                <a:effectLst/>
+                <a:latin typeface="+mn-lt"/>
+                <a:ea typeface="+mn-ea"/>
+                <a:cs typeface="+mn-cs"/>
+              </a:rPr>
+              <a:t>5</a:t>
+            </a:r>
+          </a:p>
+          <a:p>
+            <a:endParaRPr lang="en-US" altLang="zh-CN" sz="1200" b="0" i="0" kern="1200" dirty="0" smtClean="0">
+              <a:solidFill>
+                <a:schemeClr val="tx1"/>
+              </a:solidFill>
+              <a:effectLst/>
+              <a:latin typeface="+mn-lt"/>
+              <a:ea typeface="+mn-ea"/>
+              <a:cs typeface="+mn-cs"/>
+            </a:endParaRPr>
+          </a:p>
+          <a:p>
+            <a:endParaRPr lang="en-US" altLang="zh-CN" sz="1200" b="0" i="0" kern="1200" dirty="0" smtClean="0">
+              <a:solidFill>
+                <a:schemeClr val="tx1"/>
+              </a:solidFill>
+              <a:effectLst/>
+              <a:latin typeface="+mn-lt"/>
+              <a:ea typeface="+mn-ea"/>
+              <a:cs typeface="+mn-cs"/>
+            </a:endParaRPr>
+          </a:p>
+          <a:p>
+            <a:r>
+              <a:rPr lang="en-US" altLang="zh-CN" sz="1200" b="0" i="0" kern="1200" dirty="0" smtClean="0">
+                <a:solidFill>
+                  <a:schemeClr val="tx1"/>
+                </a:solidFill>
+                <a:effectLst/>
+                <a:latin typeface="+mn-lt"/>
+                <a:ea typeface="+mn-ea"/>
+                <a:cs typeface="+mn-cs"/>
+              </a:rPr>
+              <a:t>burst=5</a:t>
+            </a:r>
+            <a:r>
+              <a:rPr lang="zh-CN" altLang="en-US" sz="1200" b="0" i="0" kern="1200" dirty="0" smtClean="0">
+                <a:solidFill>
+                  <a:schemeClr val="tx1"/>
+                </a:solidFill>
+                <a:effectLst/>
+                <a:latin typeface="+mn-lt"/>
+                <a:ea typeface="+mn-ea"/>
+                <a:cs typeface="+mn-cs"/>
+              </a:rPr>
+              <a:t> </a:t>
+            </a:r>
+            <a:r>
+              <a:rPr lang="en-US" altLang="zh-CN" sz="1200" b="0" i="0" kern="1200" dirty="0" err="1" smtClean="0">
+                <a:solidFill>
+                  <a:schemeClr val="tx1"/>
+                </a:solidFill>
+                <a:effectLst/>
+                <a:latin typeface="+mn-lt"/>
+                <a:ea typeface="+mn-ea"/>
+                <a:cs typeface="+mn-cs"/>
+              </a:rPr>
+              <a:t>brust</a:t>
+            </a:r>
+            <a:r>
+              <a:rPr lang="zh-CN" altLang="en-US" sz="1200" b="0" i="0" kern="1200" dirty="0" smtClean="0">
+                <a:solidFill>
+                  <a:schemeClr val="tx1"/>
+                </a:solidFill>
+                <a:effectLst/>
+                <a:latin typeface="+mn-lt"/>
+                <a:ea typeface="+mn-ea"/>
+                <a:cs typeface="+mn-cs"/>
+              </a:rPr>
+              <a:t>的意思就是，如果第</a:t>
+            </a:r>
+            <a:r>
+              <a:rPr lang="en-US" altLang="zh-CN" sz="1200" b="0" i="0" kern="1200" dirty="0" smtClean="0">
+                <a:solidFill>
+                  <a:schemeClr val="tx1"/>
+                </a:solidFill>
+                <a:effectLst/>
+                <a:latin typeface="+mn-lt"/>
+                <a:ea typeface="+mn-ea"/>
+                <a:cs typeface="+mn-cs"/>
+              </a:rPr>
+              <a:t>1</a:t>
+            </a:r>
+            <a:r>
+              <a:rPr lang="zh-CN" altLang="en-US" sz="1200" b="0" i="0" kern="1200" dirty="0" smtClean="0">
+                <a:solidFill>
+                  <a:schemeClr val="tx1"/>
+                </a:solidFill>
+                <a:effectLst/>
+                <a:latin typeface="+mn-lt"/>
+                <a:ea typeface="+mn-ea"/>
+                <a:cs typeface="+mn-cs"/>
+              </a:rPr>
+              <a:t>秒、</a:t>
+            </a:r>
+            <a:r>
+              <a:rPr lang="en-US" altLang="zh-CN" sz="1200" b="0" i="0" kern="1200" dirty="0" smtClean="0">
+                <a:solidFill>
+                  <a:schemeClr val="tx1"/>
+                </a:solidFill>
+                <a:effectLst/>
+                <a:latin typeface="+mn-lt"/>
+                <a:ea typeface="+mn-ea"/>
+                <a:cs typeface="+mn-cs"/>
+              </a:rPr>
+              <a:t>2,3,4</a:t>
+            </a:r>
+            <a:r>
+              <a:rPr lang="zh-CN" altLang="en-US" sz="1200" b="0" i="0" kern="1200" dirty="0" smtClean="0">
+                <a:solidFill>
+                  <a:schemeClr val="tx1"/>
+                </a:solidFill>
+                <a:effectLst/>
+                <a:latin typeface="+mn-lt"/>
+                <a:ea typeface="+mn-ea"/>
+                <a:cs typeface="+mn-cs"/>
+              </a:rPr>
+              <a:t>秒请求为</a:t>
+            </a:r>
+            <a:r>
+              <a:rPr lang="en-US" altLang="zh-CN" sz="1200" b="0" i="0" kern="1200" dirty="0" smtClean="0">
+                <a:solidFill>
+                  <a:schemeClr val="tx1"/>
+                </a:solidFill>
+                <a:effectLst/>
+                <a:latin typeface="+mn-lt"/>
+                <a:ea typeface="+mn-ea"/>
+                <a:cs typeface="+mn-cs"/>
+              </a:rPr>
+              <a:t>19</a:t>
+            </a:r>
+            <a:r>
+              <a:rPr lang="zh-CN" altLang="en-US" sz="1200" b="0" i="0" kern="1200" dirty="0" smtClean="0">
+                <a:solidFill>
+                  <a:schemeClr val="tx1"/>
+                </a:solidFill>
+                <a:effectLst/>
+                <a:latin typeface="+mn-lt"/>
+                <a:ea typeface="+mn-ea"/>
+                <a:cs typeface="+mn-cs"/>
+              </a:rPr>
+              <a:t>个，第</a:t>
+            </a:r>
+            <a:r>
+              <a:rPr lang="en-US" altLang="zh-CN" sz="1200" b="0" i="0" kern="1200" dirty="0" smtClean="0">
+                <a:solidFill>
+                  <a:schemeClr val="tx1"/>
+                </a:solidFill>
+                <a:effectLst/>
+                <a:latin typeface="+mn-lt"/>
+                <a:ea typeface="+mn-ea"/>
+                <a:cs typeface="+mn-cs"/>
+              </a:rPr>
+              <a:t>5</a:t>
+            </a:r>
+            <a:r>
+              <a:rPr lang="zh-CN" altLang="en-US" sz="1200" b="0" i="0" kern="1200" dirty="0" smtClean="0">
+                <a:solidFill>
+                  <a:schemeClr val="tx1"/>
+                </a:solidFill>
+                <a:effectLst/>
+                <a:latin typeface="+mn-lt"/>
+                <a:ea typeface="+mn-ea"/>
+                <a:cs typeface="+mn-cs"/>
+              </a:rPr>
+              <a:t>秒的请求为</a:t>
+            </a:r>
+            <a:r>
+              <a:rPr lang="en-US" altLang="zh-CN" sz="1200" b="0" i="0" kern="1200" dirty="0" smtClean="0">
+                <a:solidFill>
+                  <a:schemeClr val="tx1"/>
+                </a:solidFill>
+                <a:effectLst/>
+                <a:latin typeface="+mn-lt"/>
+                <a:ea typeface="+mn-ea"/>
+                <a:cs typeface="+mn-cs"/>
+              </a:rPr>
+              <a:t>25</a:t>
+            </a:r>
+            <a:r>
+              <a:rPr lang="zh-CN" altLang="en-US" sz="1200" b="0" i="0" kern="1200" dirty="0" smtClean="0">
+                <a:solidFill>
+                  <a:schemeClr val="tx1"/>
+                </a:solidFill>
+                <a:effectLst/>
+                <a:latin typeface="+mn-lt"/>
+                <a:ea typeface="+mn-ea"/>
+                <a:cs typeface="+mn-cs"/>
+              </a:rPr>
+              <a:t>个是被允许的。但是如果你第</a:t>
+            </a:r>
+            <a:r>
+              <a:rPr lang="en-US" altLang="zh-CN" sz="1200" b="0" i="0" kern="1200" dirty="0" smtClean="0">
+                <a:solidFill>
+                  <a:schemeClr val="tx1"/>
+                </a:solidFill>
+                <a:effectLst/>
+                <a:latin typeface="+mn-lt"/>
+                <a:ea typeface="+mn-ea"/>
+                <a:cs typeface="+mn-cs"/>
+              </a:rPr>
+              <a:t>1</a:t>
+            </a:r>
+            <a:r>
+              <a:rPr lang="zh-CN" altLang="en-US" sz="1200" b="0" i="0" kern="1200" dirty="0" smtClean="0">
+                <a:solidFill>
+                  <a:schemeClr val="tx1"/>
+                </a:solidFill>
+                <a:effectLst/>
+                <a:latin typeface="+mn-lt"/>
+                <a:ea typeface="+mn-ea"/>
+                <a:cs typeface="+mn-cs"/>
+              </a:rPr>
+              <a:t>秒就</a:t>
+            </a:r>
+            <a:r>
+              <a:rPr lang="en-US" altLang="zh-CN" sz="1200" b="0" i="0" kern="1200" dirty="0" smtClean="0">
+                <a:solidFill>
+                  <a:schemeClr val="tx1"/>
+                </a:solidFill>
+                <a:effectLst/>
+                <a:latin typeface="+mn-lt"/>
+                <a:ea typeface="+mn-ea"/>
+                <a:cs typeface="+mn-cs"/>
+              </a:rPr>
+              <a:t>25</a:t>
+            </a:r>
+            <a:r>
+              <a:rPr lang="zh-CN" altLang="en-US" sz="1200" b="0" i="0" kern="1200" dirty="0" smtClean="0">
+                <a:solidFill>
+                  <a:schemeClr val="tx1"/>
+                </a:solidFill>
+                <a:effectLst/>
+                <a:latin typeface="+mn-lt"/>
+                <a:ea typeface="+mn-ea"/>
+                <a:cs typeface="+mn-cs"/>
+              </a:rPr>
+              <a:t>个请求，第</a:t>
+            </a:r>
+            <a:r>
+              <a:rPr lang="en-US" altLang="zh-CN" sz="1200" b="0" i="0" kern="1200" dirty="0" smtClean="0">
+                <a:solidFill>
+                  <a:schemeClr val="tx1"/>
+                </a:solidFill>
+                <a:effectLst/>
+                <a:latin typeface="+mn-lt"/>
+                <a:ea typeface="+mn-ea"/>
+                <a:cs typeface="+mn-cs"/>
+              </a:rPr>
+              <a:t>2</a:t>
+            </a:r>
+            <a:r>
+              <a:rPr lang="zh-CN" altLang="en-US" sz="1200" b="0" i="0" kern="1200" dirty="0" smtClean="0">
+                <a:solidFill>
+                  <a:schemeClr val="tx1"/>
+                </a:solidFill>
+                <a:effectLst/>
+                <a:latin typeface="+mn-lt"/>
+                <a:ea typeface="+mn-ea"/>
+                <a:cs typeface="+mn-cs"/>
+              </a:rPr>
+              <a:t>秒超过</a:t>
+            </a:r>
+            <a:r>
+              <a:rPr lang="en-US" altLang="zh-CN" sz="1200" b="0" i="0" kern="1200" dirty="0" smtClean="0">
+                <a:solidFill>
+                  <a:schemeClr val="tx1"/>
+                </a:solidFill>
+                <a:effectLst/>
+                <a:latin typeface="+mn-lt"/>
+                <a:ea typeface="+mn-ea"/>
+                <a:cs typeface="+mn-cs"/>
+              </a:rPr>
+              <a:t>20</a:t>
+            </a:r>
+            <a:r>
+              <a:rPr lang="zh-CN" altLang="en-US" sz="1200" b="0" i="0" kern="1200" dirty="0" smtClean="0">
+                <a:solidFill>
+                  <a:schemeClr val="tx1"/>
+                </a:solidFill>
+                <a:effectLst/>
+                <a:latin typeface="+mn-lt"/>
+                <a:ea typeface="+mn-ea"/>
+                <a:cs typeface="+mn-cs"/>
+              </a:rPr>
+              <a:t>的请求返回</a:t>
+            </a:r>
+            <a:r>
+              <a:rPr lang="en-US" altLang="zh-CN" sz="1200" b="0" i="0" kern="1200" dirty="0" smtClean="0">
+                <a:solidFill>
+                  <a:schemeClr val="tx1"/>
+                </a:solidFill>
+                <a:effectLst/>
+                <a:latin typeface="+mn-lt"/>
+                <a:ea typeface="+mn-ea"/>
+                <a:cs typeface="+mn-cs"/>
+              </a:rPr>
+              <a:t>503</a:t>
+            </a:r>
+            <a:r>
+              <a:rPr lang="zh-CN" altLang="en-US" sz="1200" b="0" i="0" kern="1200" dirty="0" smtClean="0">
+                <a:solidFill>
+                  <a:schemeClr val="tx1"/>
+                </a:solidFill>
+                <a:effectLst/>
+                <a:latin typeface="+mn-lt"/>
+                <a:ea typeface="+mn-ea"/>
+                <a:cs typeface="+mn-cs"/>
+              </a:rPr>
+              <a:t>错误。 </a:t>
+            </a:r>
+            <a:r>
+              <a:rPr lang="en-US" altLang="zh-CN" sz="1200" b="0" i="0" kern="1200" dirty="0" smtClean="0">
+                <a:solidFill>
+                  <a:schemeClr val="tx1"/>
+                </a:solidFill>
+                <a:effectLst/>
+                <a:latin typeface="+mn-lt"/>
+                <a:ea typeface="+mn-ea"/>
+                <a:cs typeface="+mn-cs"/>
+              </a:rPr>
+              <a:t>#</a:t>
+            </a:r>
+            <a:r>
+              <a:rPr lang="en-US" altLang="zh-CN" sz="1200" b="0" i="0" kern="1200" dirty="0" err="1" smtClean="0">
+                <a:solidFill>
+                  <a:schemeClr val="tx1"/>
+                </a:solidFill>
+                <a:effectLst/>
+                <a:latin typeface="+mn-lt"/>
+                <a:ea typeface="+mn-ea"/>
+                <a:cs typeface="+mn-cs"/>
+              </a:rPr>
+              <a:t>nodelay</a:t>
+            </a:r>
+            <a:r>
+              <a:rPr lang="zh-CN" altLang="en-US" sz="1200" b="0" i="0" kern="1200" dirty="0" smtClean="0">
+                <a:solidFill>
+                  <a:schemeClr val="tx1"/>
+                </a:solidFill>
+                <a:effectLst/>
+                <a:latin typeface="+mn-lt"/>
+                <a:ea typeface="+mn-ea"/>
+                <a:cs typeface="+mn-cs"/>
+              </a:rPr>
+              <a:t>，如果不设置该选项，严格使用平均速率限制请求数，第</a:t>
+            </a:r>
+            <a:r>
+              <a:rPr lang="en-US" altLang="zh-CN" sz="1200" b="0" i="0" kern="1200" dirty="0" smtClean="0">
+                <a:solidFill>
+                  <a:schemeClr val="tx1"/>
+                </a:solidFill>
+                <a:effectLst/>
+                <a:latin typeface="+mn-lt"/>
+                <a:ea typeface="+mn-ea"/>
+                <a:cs typeface="+mn-cs"/>
+              </a:rPr>
+              <a:t>1</a:t>
+            </a:r>
+            <a:r>
+              <a:rPr lang="zh-CN" altLang="en-US" sz="1200" b="0" i="0" kern="1200" dirty="0" smtClean="0">
+                <a:solidFill>
+                  <a:schemeClr val="tx1"/>
+                </a:solidFill>
+                <a:effectLst/>
+                <a:latin typeface="+mn-lt"/>
+                <a:ea typeface="+mn-ea"/>
+                <a:cs typeface="+mn-cs"/>
+              </a:rPr>
+              <a:t>秒</a:t>
+            </a:r>
+            <a:r>
+              <a:rPr lang="en-US" altLang="zh-CN" sz="1200" b="0" i="0" kern="1200" dirty="0" smtClean="0">
+                <a:solidFill>
+                  <a:schemeClr val="tx1"/>
+                </a:solidFill>
+                <a:effectLst/>
+                <a:latin typeface="+mn-lt"/>
+                <a:ea typeface="+mn-ea"/>
+                <a:cs typeface="+mn-cs"/>
+              </a:rPr>
+              <a:t>25</a:t>
+            </a:r>
+            <a:r>
+              <a:rPr lang="zh-CN" altLang="en-US" sz="1200" b="0" i="0" kern="1200" dirty="0" smtClean="0">
+                <a:solidFill>
+                  <a:schemeClr val="tx1"/>
+                </a:solidFill>
+                <a:effectLst/>
+                <a:latin typeface="+mn-lt"/>
+                <a:ea typeface="+mn-ea"/>
+                <a:cs typeface="+mn-cs"/>
+              </a:rPr>
+              <a:t>个请求时，</a:t>
+            </a:r>
+            <a:r>
+              <a:rPr lang="en-US" altLang="zh-CN" sz="1200" b="0" i="0" kern="1200" dirty="0" smtClean="0">
+                <a:solidFill>
+                  <a:schemeClr val="tx1"/>
+                </a:solidFill>
+                <a:effectLst/>
+                <a:latin typeface="+mn-lt"/>
+                <a:ea typeface="+mn-ea"/>
+                <a:cs typeface="+mn-cs"/>
+              </a:rPr>
+              <a:t>5</a:t>
+            </a:r>
+            <a:r>
+              <a:rPr lang="zh-CN" altLang="en-US" sz="1200" b="0" i="0" kern="1200" dirty="0" smtClean="0">
+                <a:solidFill>
+                  <a:schemeClr val="tx1"/>
+                </a:solidFill>
+                <a:effectLst/>
+                <a:latin typeface="+mn-lt"/>
+                <a:ea typeface="+mn-ea"/>
+                <a:cs typeface="+mn-cs"/>
+              </a:rPr>
+              <a:t>个请求放到第</a:t>
+            </a:r>
+            <a:r>
+              <a:rPr lang="en-US" altLang="zh-CN" sz="1200" b="0" i="0" kern="1200" dirty="0" smtClean="0">
+                <a:solidFill>
+                  <a:schemeClr val="tx1"/>
+                </a:solidFill>
+                <a:effectLst/>
+                <a:latin typeface="+mn-lt"/>
+                <a:ea typeface="+mn-ea"/>
+                <a:cs typeface="+mn-cs"/>
+              </a:rPr>
+              <a:t>2</a:t>
+            </a:r>
+            <a:r>
+              <a:rPr lang="zh-CN" altLang="en-US" sz="1200" b="0" i="0" kern="1200" dirty="0" smtClean="0">
+                <a:solidFill>
+                  <a:schemeClr val="tx1"/>
+                </a:solidFill>
+                <a:effectLst/>
+                <a:latin typeface="+mn-lt"/>
+                <a:ea typeface="+mn-ea"/>
+                <a:cs typeface="+mn-cs"/>
+              </a:rPr>
+              <a:t>秒执行，设置</a:t>
+            </a:r>
+            <a:r>
+              <a:rPr lang="en-US" altLang="zh-CN" sz="1200" b="0" i="0" kern="1200" dirty="0" err="1" smtClean="0">
+                <a:solidFill>
+                  <a:schemeClr val="tx1"/>
+                </a:solidFill>
+                <a:effectLst/>
+                <a:latin typeface="+mn-lt"/>
+                <a:ea typeface="+mn-ea"/>
+                <a:cs typeface="+mn-cs"/>
+              </a:rPr>
+              <a:t>nodelay</a:t>
+            </a:r>
+            <a:r>
+              <a:rPr lang="zh-CN" altLang="en-US" sz="1200" b="0" i="0" kern="1200" dirty="0" smtClean="0">
+                <a:solidFill>
+                  <a:schemeClr val="tx1"/>
+                </a:solidFill>
+                <a:effectLst/>
+                <a:latin typeface="+mn-lt"/>
+                <a:ea typeface="+mn-ea"/>
+                <a:cs typeface="+mn-cs"/>
+              </a:rPr>
+              <a:t>，</a:t>
+            </a:r>
+            <a:r>
+              <a:rPr lang="en-US" altLang="zh-CN" sz="1200" b="0" i="0" kern="1200" dirty="0" smtClean="0">
+                <a:solidFill>
+                  <a:schemeClr val="tx1"/>
+                </a:solidFill>
+                <a:effectLst/>
+                <a:latin typeface="+mn-lt"/>
+                <a:ea typeface="+mn-ea"/>
+                <a:cs typeface="+mn-cs"/>
+              </a:rPr>
+              <a:t>25</a:t>
+            </a:r>
+            <a:r>
+              <a:rPr lang="zh-CN" altLang="en-US" sz="1200" b="0" i="0" kern="1200" dirty="0" smtClean="0">
+                <a:solidFill>
+                  <a:schemeClr val="tx1"/>
+                </a:solidFill>
+                <a:effectLst/>
+                <a:latin typeface="+mn-lt"/>
+                <a:ea typeface="+mn-ea"/>
+                <a:cs typeface="+mn-cs"/>
+              </a:rPr>
+              <a:t>个请求将在第</a:t>
+            </a:r>
+            <a:r>
+              <a:rPr lang="en-US" altLang="zh-CN" sz="1200" b="0" i="0" kern="1200" dirty="0" smtClean="0">
+                <a:solidFill>
+                  <a:schemeClr val="tx1"/>
+                </a:solidFill>
+                <a:effectLst/>
+                <a:latin typeface="+mn-lt"/>
+                <a:ea typeface="+mn-ea"/>
+                <a:cs typeface="+mn-cs"/>
+              </a:rPr>
+              <a:t>1</a:t>
+            </a:r>
+            <a:r>
+              <a:rPr lang="zh-CN" altLang="en-US" sz="1200" b="0" i="0" kern="1200" dirty="0" smtClean="0">
+                <a:solidFill>
+                  <a:schemeClr val="tx1"/>
+                </a:solidFill>
+                <a:effectLst/>
+                <a:latin typeface="+mn-lt"/>
+                <a:ea typeface="+mn-ea"/>
+                <a:cs typeface="+mn-cs"/>
+              </a:rPr>
+              <a:t>秒执行。</a:t>
+            </a:r>
+            <a:endParaRPr lang="zh-CN" altLang="en-US" dirty="0"/>
+          </a:p>
+        </p:txBody>
+      </p:sp>
+      <p:sp>
+        <p:nvSpPr>
+          <p:cNvPr id="4" name="灯片编号占位符 3"/>
+          <p:cNvSpPr>
+            <a:spLocks noGrp="1"/>
+          </p:cNvSpPr>
+          <p:nvPr>
+            <p:ph type="sldNum" sz="quarter" idx="10"/>
+          </p:nvPr>
+        </p:nvSpPr>
+        <p:spPr/>
+        <p:txBody>
+          <a:bodyPr/>
+          <a:lstStyle/>
+          <a:p>
+            <a:fld id="{857D44F3-8DE2-4BCF-8C64-321029B3CE93}" type="slidenum">
+              <a:rPr lang="zh-CN" altLang="en-US" smtClean="0"/>
+              <a:t>26</a:t>
+            </a:fld>
+            <a:endParaRPr lang="zh-CN" altLang="en-US"/>
+          </a:p>
+        </p:txBody>
+      </p:sp>
+    </p:spTree>
+    <p:extLst>
+      <p:ext uri="{BB962C8B-B14F-4D97-AF65-F5344CB8AC3E}">
+        <p14:creationId xmlns:p14="http://schemas.microsoft.com/office/powerpoint/2010/main" val="514317289"/>
+      </p:ext>
+    </p:extLst>
+  </p:cSld>
+  <p:clrMapOvr>
+    <a:masterClrMapping/>
+  </p:clrMapOvr>
+</p:notes>
+</file>
+
+<file path=ppt/notesSlides/notesSlide7.xml><?xml version="1.0" encoding="utf-8"?>
+<p:notes xmlns:a="http://schemas.openxmlformats.org/drawingml/2006/main" xmlns:r="http://schemas.openxmlformats.org/officeDocument/2006/relationships" xmlns:p="http://schemas.openxmlformats.org/presentationml/2006/main">
+  <p:cSld>
+    <p:spTree>
+      <p:nvGrpSpPr>
+        <p:cNvPr id="1" name=""/>
+        <p:cNvGrpSpPr/>
+        <p:nvPr/>
+      </p:nvGrpSpPr>
+      <p:grpSpPr>
+        <a:xfrm>
+          <a:off x="0" y="0"/>
+          <a:ext cx="0" cy="0"/>
+          <a:chOff x="0" y="0"/>
+          <a:chExt cx="0" cy="0"/>
+        </a:xfrm>
+      </p:grpSpPr>
+      <p:sp>
+        <p:nvSpPr>
+          <p:cNvPr id="2" name="幻灯片图像占位符 1"/>
+          <p:cNvSpPr>
+            <a:spLocks noGrp="1" noRot="1" noChangeAspect="1"/>
+          </p:cNvSpPr>
+          <p:nvPr>
+            <p:ph type="sldImg"/>
+          </p:nvPr>
+        </p:nvSpPr>
+        <p:spPr/>
+      </p:sp>
+      <p:sp>
+        <p:nvSpPr>
+          <p:cNvPr id="3" name="备注占位符 2"/>
+          <p:cNvSpPr>
+            <a:spLocks noGrp="1"/>
+          </p:cNvSpPr>
+          <p:nvPr>
+            <p:ph type="body" idx="1"/>
+          </p:nvPr>
+        </p:nvSpPr>
+        <p:spPr/>
+        <p:txBody>
+          <a:bodyPr/>
+          <a:lstStyle/>
+          <a:p>
+            <a:endParaRPr lang="zh-CN" altLang="en-US" dirty="0"/>
+          </a:p>
+        </p:txBody>
+      </p:sp>
+      <p:sp>
+        <p:nvSpPr>
+          <p:cNvPr id="4" name="灯片编号占位符 3"/>
+          <p:cNvSpPr>
+            <a:spLocks noGrp="1"/>
+          </p:cNvSpPr>
+          <p:nvPr>
+            <p:ph type="sldNum" sz="quarter" idx="10"/>
+          </p:nvPr>
+        </p:nvSpPr>
+        <p:spPr/>
+        <p:txBody>
+          <a:bodyPr/>
+          <a:lstStyle/>
+          <a:p>
+            <a:fld id="{857D44F3-8DE2-4BCF-8C64-321029B3CE93}" type="slidenum">
+              <a:rPr lang="zh-CN" altLang="en-US" smtClean="0"/>
+              <a:t>27</a:t>
+            </a:fld>
+            <a:endParaRPr lang="zh-CN" altLang="en-US"/>
+          </a:p>
+        </p:txBody>
+      </p:sp>
+    </p:spTree>
+    <p:extLst>
+      <p:ext uri="{BB962C8B-B14F-4D97-AF65-F5344CB8AC3E}">
+        <p14:creationId xmlns:p14="http://schemas.microsoft.com/office/powerpoint/2010/main" val="1566597183"/>
       </p:ext>
     </p:extLst>
   </p:cSld>
@@ -6003,7 +6841,6 @@
               <a:rPr lang="zh-CN" altLang="en-US" dirty="0"/>
               <a:t>数据倾斜问题</a:t>
             </a:r>
-            <a:endParaRPr lang="zh-CN" altLang="en-US" dirty="0"/>
           </a:p>
         </p:txBody>
       </p:sp>
@@ -6562,14 +7399,1091 @@
           <a:bodyPr/>
           <a:lstStyle/>
           <a:p>
-            <a:endParaRPr lang="zh-CN" altLang="en-US"/>
-          </a:p>
-        </p:txBody>
-      </p:sp>
+            <a:r>
+              <a:rPr lang="zh-CN" altLang="en-US" dirty="0" smtClean="0"/>
+              <a:t>限制任意时间的连接数</a:t>
+            </a:r>
+            <a:endParaRPr lang="en-US" altLang="zh-CN" dirty="0" smtClean="0"/>
+          </a:p>
+          <a:p>
+            <a:r>
+              <a:rPr lang="zh-CN" altLang="en-US" dirty="0" smtClean="0"/>
+              <a:t>超过最大连接数进入队列</a:t>
+            </a:r>
+            <a:endParaRPr lang="en-US" altLang="zh-CN" dirty="0" smtClean="0"/>
+          </a:p>
+          <a:p>
+            <a:r>
+              <a:rPr lang="zh-CN" altLang="en-US" dirty="0"/>
+              <a:t>配置关键字：</a:t>
+            </a:r>
+            <a:r>
+              <a:rPr lang="en-US" altLang="zh-CN" dirty="0"/>
+              <a:t>zone</a:t>
+            </a:r>
+            <a:r>
+              <a:rPr lang="zh-CN" altLang="en-US" dirty="0"/>
+              <a:t>，</a:t>
+            </a:r>
+            <a:r>
+              <a:rPr lang="en-US" altLang="zh-CN" dirty="0"/>
+              <a:t>queue</a:t>
+            </a:r>
+            <a:r>
+              <a:rPr lang="zh-CN" altLang="en-US" dirty="0"/>
+              <a:t>，</a:t>
+            </a:r>
+            <a:endParaRPr lang="en-US" altLang="zh-CN" dirty="0"/>
+          </a:p>
+          <a:p>
+            <a:pPr marL="0" indent="0">
+              <a:buNone/>
+            </a:pPr>
+            <a:r>
+              <a:rPr lang="en-US" altLang="zh-CN" dirty="0" err="1" smtClean="0"/>
+              <a:t>max_conns</a:t>
+            </a:r>
+            <a:endParaRPr lang="en-US" altLang="zh-CN" dirty="0" smtClean="0"/>
+          </a:p>
+          <a:p>
+            <a:r>
+              <a:rPr lang="en-US" altLang="zh-CN" dirty="0" err="1" smtClean="0"/>
+              <a:t>Nginx</a:t>
+            </a:r>
+            <a:r>
+              <a:rPr lang="en-US" altLang="zh-CN" dirty="0" smtClean="0"/>
+              <a:t> Plus</a:t>
+            </a:r>
+            <a:r>
+              <a:rPr lang="zh-CN" altLang="en-US" dirty="0" smtClean="0"/>
+              <a:t>专属</a:t>
+            </a:r>
+            <a:endParaRPr lang="zh-CN" altLang="en-US" dirty="0"/>
+          </a:p>
+        </p:txBody>
+      </p:sp>
+      <p:pic>
+        <p:nvPicPr>
+          <p:cNvPr id="5" name="图片 4"/>
+          <p:cNvPicPr>
+            <a:picLocks noChangeAspect="1"/>
+          </p:cNvPicPr>
+          <p:nvPr/>
+        </p:nvPicPr>
+        <p:blipFill>
+          <a:blip r:embed="rId2"/>
+          <a:stretch>
+            <a:fillRect/>
+          </a:stretch>
+        </p:blipFill>
+        <p:spPr>
+          <a:xfrm>
+            <a:off x="5775106" y="2198468"/>
+            <a:ext cx="5276850" cy="1609725"/>
+          </a:xfrm>
+          <a:prstGeom prst="rect">
+            <a:avLst/>
+          </a:prstGeom>
+        </p:spPr>
+      </p:pic>
     </p:spTree>
     <p:extLst>
       <p:ext uri="{BB962C8B-B14F-4D97-AF65-F5344CB8AC3E}">
         <p14:creationId xmlns:p14="http://schemas.microsoft.com/office/powerpoint/2010/main" val="1514864371"/>
+      </p:ext>
+    </p:extLst>
+  </p:cSld>
+  <p:clrMapOvr>
+    <a:masterClrMapping/>
+  </p:clrMapOvr>
+</p:sld>
+</file>
+
+<file path=ppt/slides/slide22.xml><?xml version="1.0" encoding="utf-8"?>
+<p:sld xmlns:a="http://schemas.openxmlformats.org/drawingml/2006/main" xmlns:r="http://schemas.openxmlformats.org/officeDocument/2006/relationships" xmlns:p="http://schemas.openxmlformats.org/presentationml/2006/main">
+  <p:cSld>
+    <p:spTree>
+      <p:nvGrpSpPr>
+        <p:cNvPr id="1" name=""/>
+        <p:cNvGrpSpPr/>
+        <p:nvPr/>
+      </p:nvGrpSpPr>
+      <p:grpSpPr>
+        <a:xfrm>
+          <a:off x="0" y="0"/>
+          <a:ext cx="0" cy="0"/>
+          <a:chOff x="0" y="0"/>
+          <a:chExt cx="0" cy="0"/>
+        </a:xfrm>
+      </p:grpSpPr>
+      <p:sp>
+        <p:nvSpPr>
+          <p:cNvPr id="2" name="标题 1"/>
+          <p:cNvSpPr>
+            <a:spLocks noGrp="1"/>
+          </p:cNvSpPr>
+          <p:nvPr>
+            <p:ph type="title"/>
+          </p:nvPr>
+        </p:nvSpPr>
+        <p:spPr/>
+        <p:txBody>
+          <a:bodyPr/>
+          <a:lstStyle/>
+          <a:p>
+            <a:r>
+              <a:rPr lang="zh-CN" altLang="en-US" dirty="0" smtClean="0"/>
+              <a:t>慢启动</a:t>
+            </a:r>
+            <a:endParaRPr lang="zh-CN" altLang="en-US" dirty="0"/>
+          </a:p>
+        </p:txBody>
+      </p:sp>
+      <p:sp>
+        <p:nvSpPr>
+          <p:cNvPr id="3" name="内容占位符 2"/>
+          <p:cNvSpPr>
+            <a:spLocks noGrp="1"/>
+          </p:cNvSpPr>
+          <p:nvPr>
+            <p:ph idx="1"/>
+          </p:nvPr>
+        </p:nvSpPr>
+        <p:spPr/>
+        <p:txBody>
+          <a:bodyPr/>
+          <a:lstStyle/>
+          <a:p>
+            <a:r>
+              <a:rPr lang="zh-CN" altLang="en-US" dirty="0" smtClean="0"/>
+              <a:t>在配置的时间内逐渐增加</a:t>
+            </a:r>
+            <a:endParaRPr lang="en-US" altLang="zh-CN" dirty="0" smtClean="0"/>
+          </a:p>
+          <a:p>
+            <a:pPr marL="0" indent="0">
+              <a:buNone/>
+            </a:pPr>
+            <a:r>
+              <a:rPr lang="zh-CN" altLang="en-US" dirty="0"/>
+              <a:t>对应</a:t>
+            </a:r>
+            <a:r>
+              <a:rPr lang="zh-CN" altLang="en-US" dirty="0" smtClean="0"/>
+              <a:t>服务器的流量</a:t>
+            </a:r>
+            <a:endParaRPr lang="en-US" altLang="zh-CN" dirty="0" smtClean="0"/>
+          </a:p>
+          <a:p>
+            <a:r>
+              <a:rPr lang="zh-CN" altLang="en-US" dirty="0" smtClean="0"/>
+              <a:t>防止应用启动时的瞬间大流量</a:t>
+            </a:r>
+            <a:endParaRPr lang="en-US" altLang="zh-CN" dirty="0" smtClean="0"/>
+          </a:p>
+          <a:p>
+            <a:pPr marL="0" indent="0">
+              <a:buNone/>
+            </a:pPr>
+            <a:endParaRPr lang="zh-CN" altLang="en-US" dirty="0"/>
+          </a:p>
+        </p:txBody>
+      </p:sp>
+      <p:pic>
+        <p:nvPicPr>
+          <p:cNvPr id="4" name="图片 3"/>
+          <p:cNvPicPr>
+            <a:picLocks noChangeAspect="1"/>
+          </p:cNvPicPr>
+          <p:nvPr/>
+        </p:nvPicPr>
+        <p:blipFill>
+          <a:blip r:embed="rId2"/>
+          <a:stretch>
+            <a:fillRect/>
+          </a:stretch>
+        </p:blipFill>
+        <p:spPr>
+          <a:xfrm>
+            <a:off x="5903693" y="2027183"/>
+            <a:ext cx="5019675" cy="1447800"/>
+          </a:xfrm>
+          <a:prstGeom prst="rect">
+            <a:avLst/>
+          </a:prstGeom>
+        </p:spPr>
+      </p:pic>
+    </p:spTree>
+    <p:extLst>
+      <p:ext uri="{BB962C8B-B14F-4D97-AF65-F5344CB8AC3E}">
+        <p14:creationId xmlns:p14="http://schemas.microsoft.com/office/powerpoint/2010/main" val="2059130576"/>
+      </p:ext>
+    </p:extLst>
+  </p:cSld>
+  <p:clrMapOvr>
+    <a:masterClrMapping/>
+  </p:clrMapOvr>
+</p:sld>
+</file>
+
+<file path=ppt/slides/slide23.xml><?xml version="1.0" encoding="utf-8"?>
+<p:sld xmlns:a="http://schemas.openxmlformats.org/drawingml/2006/main" xmlns:r="http://schemas.openxmlformats.org/officeDocument/2006/relationships" xmlns:p="http://schemas.openxmlformats.org/presentationml/2006/main">
+  <p:cSld>
+    <p:spTree>
+      <p:nvGrpSpPr>
+        <p:cNvPr id="1" name=""/>
+        <p:cNvGrpSpPr/>
+        <p:nvPr/>
+      </p:nvGrpSpPr>
+      <p:grpSpPr>
+        <a:xfrm>
+          <a:off x="0" y="0"/>
+          <a:ext cx="0" cy="0"/>
+          <a:chOff x="0" y="0"/>
+          <a:chExt cx="0" cy="0"/>
+        </a:xfrm>
+      </p:grpSpPr>
+      <p:sp>
+        <p:nvSpPr>
+          <p:cNvPr id="2" name="标题 1"/>
+          <p:cNvSpPr>
+            <a:spLocks noGrp="1"/>
+          </p:cNvSpPr>
+          <p:nvPr>
+            <p:ph type="title"/>
+          </p:nvPr>
+        </p:nvSpPr>
+        <p:spPr/>
+        <p:txBody>
+          <a:bodyPr/>
+          <a:lstStyle/>
+          <a:p>
+            <a:r>
+              <a:rPr lang="zh-CN" altLang="en-US" dirty="0" smtClean="0"/>
+              <a:t>基于</a:t>
+            </a:r>
+            <a:r>
+              <a:rPr lang="en-US" altLang="zh-CN" dirty="0" smtClean="0"/>
+              <a:t>IP</a:t>
+            </a:r>
+            <a:r>
+              <a:rPr lang="zh-CN" altLang="en-US" dirty="0" smtClean="0"/>
+              <a:t>地址的</a:t>
+            </a:r>
+            <a:r>
+              <a:rPr lang="en-US" altLang="zh-CN" dirty="0" smtClean="0"/>
+              <a:t>HTTP</a:t>
+            </a:r>
+            <a:r>
+              <a:rPr lang="zh-CN" altLang="en-US" dirty="0" smtClean="0"/>
+              <a:t>访问控制</a:t>
+            </a:r>
+            <a:endParaRPr lang="zh-CN" altLang="en-US" dirty="0"/>
+          </a:p>
+        </p:txBody>
+      </p:sp>
+      <p:pic>
+        <p:nvPicPr>
+          <p:cNvPr id="5" name="内容占位符 4"/>
+          <p:cNvPicPr>
+            <a:picLocks noGrp="1" noChangeAspect="1"/>
+          </p:cNvPicPr>
+          <p:nvPr>
+            <p:ph idx="1"/>
+          </p:nvPr>
+        </p:nvPicPr>
+        <p:blipFill>
+          <a:blip r:embed="rId2"/>
+          <a:stretch>
+            <a:fillRect/>
+          </a:stretch>
+        </p:blipFill>
+        <p:spPr>
+          <a:xfrm>
+            <a:off x="838200" y="2148680"/>
+            <a:ext cx="6804791" cy="4037783"/>
+          </a:xfrm>
+          <a:prstGeom prst="rect">
+            <a:avLst/>
+          </a:prstGeom>
+        </p:spPr>
+      </p:pic>
+    </p:spTree>
+    <p:extLst>
+      <p:ext uri="{BB962C8B-B14F-4D97-AF65-F5344CB8AC3E}">
+        <p14:creationId xmlns:p14="http://schemas.microsoft.com/office/powerpoint/2010/main" val="3457170799"/>
+      </p:ext>
+    </p:extLst>
+  </p:cSld>
+  <p:clrMapOvr>
+    <a:masterClrMapping/>
+  </p:clrMapOvr>
+</p:sld>
+</file>
+
+<file path=ppt/slides/slide24.xml><?xml version="1.0" encoding="utf-8"?>
+<p:sld xmlns:a="http://schemas.openxmlformats.org/drawingml/2006/main" xmlns:r="http://schemas.openxmlformats.org/officeDocument/2006/relationships" xmlns:p="http://schemas.openxmlformats.org/presentationml/2006/main">
+  <p:cSld>
+    <p:spTree>
+      <p:nvGrpSpPr>
+        <p:cNvPr id="1" name=""/>
+        <p:cNvGrpSpPr/>
+        <p:nvPr/>
+      </p:nvGrpSpPr>
+      <p:grpSpPr>
+        <a:xfrm>
+          <a:off x="0" y="0"/>
+          <a:ext cx="0" cy="0"/>
+          <a:chOff x="0" y="0"/>
+          <a:chExt cx="0" cy="0"/>
+        </a:xfrm>
+      </p:grpSpPr>
+      <p:sp>
+        <p:nvSpPr>
+          <p:cNvPr id="2" name="标题 1"/>
+          <p:cNvSpPr>
+            <a:spLocks noGrp="1"/>
+          </p:cNvSpPr>
+          <p:nvPr>
+            <p:ph type="title"/>
+          </p:nvPr>
+        </p:nvSpPr>
+        <p:spPr/>
+        <p:txBody>
+          <a:bodyPr/>
+          <a:lstStyle/>
+          <a:p>
+            <a:r>
+              <a:rPr lang="en-US" altLang="zh-CN" dirty="0" smtClean="0"/>
+              <a:t>CORS</a:t>
+            </a:r>
+            <a:endParaRPr lang="zh-CN" altLang="en-US" dirty="0"/>
+          </a:p>
+        </p:txBody>
+      </p:sp>
+      <p:pic>
+        <p:nvPicPr>
+          <p:cNvPr id="4" name="内容占位符 3"/>
+          <p:cNvPicPr>
+            <a:picLocks noGrp="1" noChangeAspect="1"/>
+          </p:cNvPicPr>
+          <p:nvPr>
+            <p:ph idx="1"/>
+          </p:nvPr>
+        </p:nvPicPr>
+        <p:blipFill>
+          <a:blip r:embed="rId2"/>
+          <a:stretch>
+            <a:fillRect/>
+          </a:stretch>
+        </p:blipFill>
+        <p:spPr>
+          <a:xfrm>
+            <a:off x="2475186" y="1690688"/>
+            <a:ext cx="4140275" cy="4763394"/>
+          </a:xfrm>
+          <a:prstGeom prst="rect">
+            <a:avLst/>
+          </a:prstGeom>
+        </p:spPr>
+      </p:pic>
+    </p:spTree>
+    <p:extLst>
+      <p:ext uri="{BB962C8B-B14F-4D97-AF65-F5344CB8AC3E}">
+        <p14:creationId xmlns:p14="http://schemas.microsoft.com/office/powerpoint/2010/main" val="561826427"/>
+      </p:ext>
+    </p:extLst>
+  </p:cSld>
+  <p:clrMapOvr>
+    <a:masterClrMapping/>
+  </p:clrMapOvr>
+</p:sld>
+</file>
+
+<file path=ppt/slides/slide25.xml><?xml version="1.0" encoding="utf-8"?>
+<p:sld xmlns:a="http://schemas.openxmlformats.org/drawingml/2006/main" xmlns:r="http://schemas.openxmlformats.org/officeDocument/2006/relationships" xmlns:p="http://schemas.openxmlformats.org/presentationml/2006/main">
+  <p:cSld>
+    <p:spTree>
+      <p:nvGrpSpPr>
+        <p:cNvPr id="1" name=""/>
+        <p:cNvGrpSpPr/>
+        <p:nvPr/>
+      </p:nvGrpSpPr>
+      <p:grpSpPr>
+        <a:xfrm>
+          <a:off x="0" y="0"/>
+          <a:ext cx="0" cy="0"/>
+          <a:chOff x="0" y="0"/>
+          <a:chExt cx="0" cy="0"/>
+        </a:xfrm>
+      </p:grpSpPr>
+      <p:sp>
+        <p:nvSpPr>
+          <p:cNvPr id="2" name="标题 1"/>
+          <p:cNvSpPr>
+            <a:spLocks noGrp="1"/>
+          </p:cNvSpPr>
+          <p:nvPr>
+            <p:ph type="title"/>
+          </p:nvPr>
+        </p:nvSpPr>
+        <p:spPr/>
+        <p:txBody>
+          <a:bodyPr/>
+          <a:lstStyle/>
+          <a:p>
+            <a:r>
+              <a:rPr lang="zh-CN" altLang="en-US" dirty="0" smtClean="0"/>
+              <a:t>对具体</a:t>
+            </a:r>
+            <a:r>
+              <a:rPr lang="en-US" altLang="zh-CN" dirty="0" smtClean="0"/>
+              <a:t>IP</a:t>
+            </a:r>
+            <a:r>
+              <a:rPr lang="zh-CN" altLang="en-US" dirty="0" smtClean="0"/>
+              <a:t>地址连接控制</a:t>
+            </a:r>
+            <a:endParaRPr lang="zh-CN" altLang="en-US" dirty="0"/>
+          </a:p>
+        </p:txBody>
+      </p:sp>
+      <p:sp>
+        <p:nvSpPr>
+          <p:cNvPr id="3" name="内容占位符 2"/>
+          <p:cNvSpPr>
+            <a:spLocks noGrp="1"/>
+          </p:cNvSpPr>
+          <p:nvPr>
+            <p:ph idx="1"/>
+          </p:nvPr>
+        </p:nvSpPr>
+        <p:spPr/>
+        <p:txBody>
+          <a:bodyPr/>
+          <a:lstStyle/>
+          <a:p>
+            <a:r>
+              <a:rPr lang="en-US" altLang="zh-CN" dirty="0" smtClean="0"/>
+              <a:t>$</a:t>
+            </a:r>
+            <a:r>
+              <a:rPr lang="en-US" altLang="zh-CN" dirty="0" err="1" smtClean="0"/>
+              <a:t>binary_remote_addr</a:t>
+            </a:r>
+            <a:r>
+              <a:rPr lang="en-US" altLang="zh-CN" dirty="0" smtClean="0"/>
+              <a:t> </a:t>
+            </a:r>
+            <a:r>
+              <a:rPr lang="zh-CN" altLang="en-US" dirty="0" smtClean="0"/>
+              <a:t>二进制的</a:t>
+            </a:r>
+            <a:r>
+              <a:rPr lang="en-US" altLang="zh-CN" dirty="0" smtClean="0"/>
+              <a:t>IP</a:t>
+            </a:r>
+            <a:r>
+              <a:rPr lang="zh-CN" altLang="en-US" dirty="0" smtClean="0"/>
+              <a:t>地址</a:t>
+            </a:r>
+            <a:endParaRPr lang="en-US" altLang="zh-CN" dirty="0" smtClean="0"/>
+          </a:p>
+          <a:p>
+            <a:r>
+              <a:rPr lang="zh-CN" altLang="en-US" dirty="0" smtClean="0"/>
+              <a:t>共享内存名称 </a:t>
+            </a:r>
+            <a:r>
+              <a:rPr lang="en-US" altLang="zh-CN" dirty="0" err="1" smtClean="0"/>
+              <a:t>limitbyaddr</a:t>
+            </a:r>
+            <a:endParaRPr lang="en-US" altLang="zh-CN" dirty="0" smtClean="0"/>
+          </a:p>
+          <a:p>
+            <a:r>
+              <a:rPr lang="zh-CN" altLang="en-US" dirty="0" smtClean="0"/>
+              <a:t>共享内存大小</a:t>
+            </a:r>
+            <a:r>
+              <a:rPr lang="en-US" altLang="zh-CN" dirty="0" smtClean="0"/>
+              <a:t>10m</a:t>
+            </a:r>
+          </a:p>
+          <a:p>
+            <a:r>
+              <a:rPr lang="zh-CN" altLang="en-US" dirty="0" smtClean="0"/>
+              <a:t>异常状态码</a:t>
+            </a:r>
+            <a:r>
+              <a:rPr lang="en-US" altLang="zh-CN" dirty="0" smtClean="0"/>
+              <a:t>429</a:t>
+            </a:r>
+          </a:p>
+          <a:p>
+            <a:r>
+              <a:rPr lang="zh-CN" altLang="en-US" dirty="0" smtClean="0"/>
+              <a:t>配置关键字</a:t>
+            </a:r>
+            <a:r>
+              <a:rPr lang="en-US" altLang="zh-CN" dirty="0" err="1" smtClean="0">
+                <a:solidFill>
+                  <a:srgbClr val="FF0000"/>
+                </a:solidFill>
+              </a:rPr>
+              <a:t>limit_conn</a:t>
+            </a:r>
+            <a:endParaRPr lang="en-US" altLang="zh-CN" dirty="0" smtClean="0"/>
+          </a:p>
+          <a:p>
+            <a:r>
+              <a:rPr lang="zh-CN" altLang="en-US" dirty="0"/>
+              <a:t>右</a:t>
+            </a:r>
+            <a:r>
+              <a:rPr lang="zh-CN" altLang="en-US" dirty="0" smtClean="0"/>
+              <a:t>图设置最大</a:t>
+            </a:r>
+            <a:r>
+              <a:rPr lang="zh-CN" altLang="en-US" dirty="0"/>
+              <a:t>连接数</a:t>
+            </a:r>
+            <a:r>
+              <a:rPr lang="en-US" altLang="zh-CN" dirty="0"/>
+              <a:t>40</a:t>
+            </a:r>
+            <a:endParaRPr lang="en-US" altLang="zh-CN" dirty="0"/>
+          </a:p>
+        </p:txBody>
+      </p:sp>
+      <p:pic>
+        <p:nvPicPr>
+          <p:cNvPr id="4" name="图片 3"/>
+          <p:cNvPicPr>
+            <a:picLocks noChangeAspect="1"/>
+          </p:cNvPicPr>
+          <p:nvPr/>
+        </p:nvPicPr>
+        <p:blipFill>
+          <a:blip r:embed="rId2"/>
+          <a:stretch>
+            <a:fillRect/>
+          </a:stretch>
+        </p:blipFill>
+        <p:spPr>
+          <a:xfrm>
+            <a:off x="5934075" y="2948781"/>
+            <a:ext cx="5419725" cy="2105025"/>
+          </a:xfrm>
+          <a:prstGeom prst="rect">
+            <a:avLst/>
+          </a:prstGeom>
+        </p:spPr>
+      </p:pic>
+    </p:spTree>
+    <p:extLst>
+      <p:ext uri="{BB962C8B-B14F-4D97-AF65-F5344CB8AC3E}">
+        <p14:creationId xmlns:p14="http://schemas.microsoft.com/office/powerpoint/2010/main" val="3573306517"/>
+      </p:ext>
+    </p:extLst>
+  </p:cSld>
+  <p:clrMapOvr>
+    <a:masterClrMapping/>
+  </p:clrMapOvr>
+  <p:timing>
+    <p:tnLst>
+      <p:par>
+        <p:cTn id="1" dur="indefinite" restart="never" nodeType="tmRoot"/>
+      </p:par>
+    </p:tnLst>
+  </p:timing>
+</p:sld>
+</file>
+
+<file path=ppt/slides/slide26.xml><?xml version="1.0" encoding="utf-8"?>
+<p:sld xmlns:a="http://schemas.openxmlformats.org/drawingml/2006/main" xmlns:r="http://schemas.openxmlformats.org/officeDocument/2006/relationships" xmlns:p="http://schemas.openxmlformats.org/presentationml/2006/main">
+  <p:cSld>
+    <p:spTree>
+      <p:nvGrpSpPr>
+        <p:cNvPr id="1" name=""/>
+        <p:cNvGrpSpPr/>
+        <p:nvPr/>
+      </p:nvGrpSpPr>
+      <p:grpSpPr>
+        <a:xfrm>
+          <a:off x="0" y="0"/>
+          <a:ext cx="0" cy="0"/>
+          <a:chOff x="0" y="0"/>
+          <a:chExt cx="0" cy="0"/>
+        </a:xfrm>
+      </p:grpSpPr>
+      <p:sp>
+        <p:nvSpPr>
+          <p:cNvPr id="2" name="标题 1"/>
+          <p:cNvSpPr>
+            <a:spLocks noGrp="1"/>
+          </p:cNvSpPr>
+          <p:nvPr>
+            <p:ph type="title"/>
+          </p:nvPr>
+        </p:nvSpPr>
+        <p:spPr/>
+        <p:txBody>
+          <a:bodyPr/>
+          <a:lstStyle/>
+          <a:p>
+            <a:r>
+              <a:rPr lang="zh-CN" altLang="en-US" dirty="0" smtClean="0"/>
+              <a:t>频率限制</a:t>
+            </a:r>
+            <a:endParaRPr lang="zh-CN" altLang="en-US" dirty="0"/>
+          </a:p>
+        </p:txBody>
+      </p:sp>
+      <p:sp>
+        <p:nvSpPr>
+          <p:cNvPr id="3" name="内容占位符 2"/>
+          <p:cNvSpPr>
+            <a:spLocks noGrp="1"/>
+          </p:cNvSpPr>
+          <p:nvPr>
+            <p:ph idx="1"/>
+          </p:nvPr>
+        </p:nvSpPr>
+        <p:spPr/>
+        <p:txBody>
+          <a:bodyPr/>
+          <a:lstStyle/>
+          <a:p>
+            <a:endParaRPr lang="en-US" altLang="zh-CN" dirty="0" smtClean="0"/>
+          </a:p>
+        </p:txBody>
+      </p:sp>
+      <p:pic>
+        <p:nvPicPr>
+          <p:cNvPr id="5" name="图片 4"/>
+          <p:cNvPicPr>
+            <a:picLocks noChangeAspect="1"/>
+          </p:cNvPicPr>
+          <p:nvPr/>
+        </p:nvPicPr>
+        <p:blipFill>
+          <a:blip r:embed="rId3"/>
+          <a:stretch>
+            <a:fillRect/>
+          </a:stretch>
+        </p:blipFill>
+        <p:spPr>
+          <a:xfrm>
+            <a:off x="5450763" y="3010392"/>
+            <a:ext cx="5610225" cy="3095625"/>
+          </a:xfrm>
+          <a:prstGeom prst="rect">
+            <a:avLst/>
+          </a:prstGeom>
+        </p:spPr>
+      </p:pic>
+      <p:pic>
+        <p:nvPicPr>
+          <p:cNvPr id="7" name="图片 6"/>
+          <p:cNvPicPr>
+            <a:picLocks noChangeAspect="1"/>
+          </p:cNvPicPr>
+          <p:nvPr/>
+        </p:nvPicPr>
+        <p:blipFill>
+          <a:blip r:embed="rId4"/>
+          <a:stretch>
+            <a:fillRect/>
+          </a:stretch>
+        </p:blipFill>
+        <p:spPr>
+          <a:xfrm>
+            <a:off x="5679362" y="590715"/>
+            <a:ext cx="5153025" cy="2143125"/>
+          </a:xfrm>
+          <a:prstGeom prst="rect">
+            <a:avLst/>
+          </a:prstGeom>
+        </p:spPr>
+      </p:pic>
+    </p:spTree>
+    <p:extLst>
+      <p:ext uri="{BB962C8B-B14F-4D97-AF65-F5344CB8AC3E}">
+        <p14:creationId xmlns:p14="http://schemas.microsoft.com/office/powerpoint/2010/main" val="1585002874"/>
+      </p:ext>
+    </p:extLst>
+  </p:cSld>
+  <p:clrMapOvr>
+    <a:masterClrMapping/>
+  </p:clrMapOvr>
+  <p:timing>
+    <p:tnLst>
+      <p:par>
+        <p:cTn id="1" dur="indefinite" restart="never" nodeType="tmRoot"/>
+      </p:par>
+    </p:tnLst>
+  </p:timing>
+</p:sld>
+</file>
+
+<file path=ppt/slides/slide27.xml><?xml version="1.0" encoding="utf-8"?>
+<p:sld xmlns:a="http://schemas.openxmlformats.org/drawingml/2006/main" xmlns:r="http://schemas.openxmlformats.org/officeDocument/2006/relationships" xmlns:p="http://schemas.openxmlformats.org/presentationml/2006/main">
+  <p:cSld>
+    <p:spTree>
+      <p:nvGrpSpPr>
+        <p:cNvPr id="1" name=""/>
+        <p:cNvGrpSpPr/>
+        <p:nvPr/>
+      </p:nvGrpSpPr>
+      <p:grpSpPr>
+        <a:xfrm>
+          <a:off x="0" y="0"/>
+          <a:ext cx="0" cy="0"/>
+          <a:chOff x="0" y="0"/>
+          <a:chExt cx="0" cy="0"/>
+        </a:xfrm>
+      </p:grpSpPr>
+      <p:sp>
+        <p:nvSpPr>
+          <p:cNvPr id="2" name="标题 1"/>
+          <p:cNvSpPr>
+            <a:spLocks noGrp="1"/>
+          </p:cNvSpPr>
+          <p:nvPr>
+            <p:ph type="title"/>
+          </p:nvPr>
+        </p:nvSpPr>
+        <p:spPr/>
+        <p:txBody>
+          <a:bodyPr/>
+          <a:lstStyle/>
+          <a:p>
+            <a:r>
+              <a:rPr lang="zh-CN" altLang="en-US" dirty="0" smtClean="0"/>
+              <a:t>下载限速</a:t>
+            </a:r>
+            <a:endParaRPr lang="zh-CN" altLang="en-US" dirty="0"/>
+          </a:p>
+        </p:txBody>
+      </p:sp>
+      <p:sp>
+        <p:nvSpPr>
+          <p:cNvPr id="3" name="内容占位符 2"/>
+          <p:cNvSpPr>
+            <a:spLocks noGrp="1"/>
+          </p:cNvSpPr>
+          <p:nvPr>
+            <p:ph idx="1"/>
+          </p:nvPr>
+        </p:nvSpPr>
+        <p:spPr/>
+        <p:txBody>
+          <a:bodyPr/>
+          <a:lstStyle/>
+          <a:p>
+            <a:r>
+              <a:rPr lang="zh-CN" altLang="en-US" dirty="0" smtClean="0"/>
+              <a:t>前</a:t>
+            </a:r>
+            <a:r>
+              <a:rPr lang="en-US" altLang="zh-CN" dirty="0" smtClean="0"/>
+              <a:t>10M</a:t>
+            </a:r>
+            <a:r>
+              <a:rPr lang="zh-CN" altLang="en-US" dirty="0" smtClean="0"/>
+              <a:t>不限速</a:t>
+            </a:r>
+            <a:endParaRPr lang="en-US" altLang="zh-CN" dirty="0" smtClean="0"/>
+          </a:p>
+          <a:p>
+            <a:r>
+              <a:rPr lang="en-US" altLang="zh-CN" dirty="0" smtClean="0"/>
+              <a:t>10M</a:t>
+            </a:r>
+            <a:r>
+              <a:rPr lang="zh-CN" altLang="en-US" dirty="0" smtClean="0"/>
+              <a:t>后以</a:t>
+            </a:r>
+            <a:r>
+              <a:rPr lang="en-US" altLang="zh-CN" dirty="0" smtClean="0"/>
+              <a:t>1M/s</a:t>
+            </a:r>
+            <a:endParaRPr lang="zh-CN" altLang="en-US" dirty="0"/>
+          </a:p>
+        </p:txBody>
+      </p:sp>
+      <p:pic>
+        <p:nvPicPr>
+          <p:cNvPr id="5" name="图片 4"/>
+          <p:cNvPicPr>
+            <a:picLocks noChangeAspect="1"/>
+          </p:cNvPicPr>
+          <p:nvPr/>
+        </p:nvPicPr>
+        <p:blipFill>
+          <a:blip r:embed="rId3"/>
+          <a:stretch>
+            <a:fillRect/>
+          </a:stretch>
+        </p:blipFill>
+        <p:spPr>
+          <a:xfrm>
+            <a:off x="3974387" y="2077873"/>
+            <a:ext cx="7914298" cy="2352237"/>
+          </a:xfrm>
+          <a:prstGeom prst="rect">
+            <a:avLst/>
+          </a:prstGeom>
+        </p:spPr>
+      </p:pic>
+    </p:spTree>
+    <p:extLst>
+      <p:ext uri="{BB962C8B-B14F-4D97-AF65-F5344CB8AC3E}">
+        <p14:creationId xmlns:p14="http://schemas.microsoft.com/office/powerpoint/2010/main" val="2648829348"/>
+      </p:ext>
+    </p:extLst>
+  </p:cSld>
+  <p:clrMapOvr>
+    <a:masterClrMapping/>
+  </p:clrMapOvr>
+</p:sld>
+</file>
+
+<file path=ppt/slides/slide28.xml><?xml version="1.0" encoding="utf-8"?>
+<p:sld xmlns:a="http://schemas.openxmlformats.org/drawingml/2006/main" xmlns:r="http://schemas.openxmlformats.org/officeDocument/2006/relationships" xmlns:p="http://schemas.openxmlformats.org/presentationml/2006/main">
+  <p:cSld>
+    <p:spTree>
+      <p:nvGrpSpPr>
+        <p:cNvPr id="1" name=""/>
+        <p:cNvGrpSpPr/>
+        <p:nvPr/>
+      </p:nvGrpSpPr>
+      <p:grpSpPr>
+        <a:xfrm>
+          <a:off x="0" y="0"/>
+          <a:ext cx="0" cy="0"/>
+          <a:chOff x="0" y="0"/>
+          <a:chExt cx="0" cy="0"/>
+        </a:xfrm>
+      </p:grpSpPr>
+      <p:sp>
+        <p:nvSpPr>
+          <p:cNvPr id="2" name="标题 1"/>
+          <p:cNvSpPr>
+            <a:spLocks noGrp="1"/>
+          </p:cNvSpPr>
+          <p:nvPr>
+            <p:ph type="title"/>
+          </p:nvPr>
+        </p:nvSpPr>
+        <p:spPr/>
+        <p:txBody>
+          <a:bodyPr/>
+          <a:lstStyle/>
+          <a:p>
+            <a:r>
+              <a:rPr lang="en-US" altLang="zh-CN" dirty="0" smtClean="0"/>
+              <a:t>Https</a:t>
+            </a:r>
+            <a:r>
+              <a:rPr lang="zh-CN" altLang="en-US" dirty="0" smtClean="0"/>
+              <a:t>跳转</a:t>
+            </a:r>
+            <a:endParaRPr lang="zh-CN" altLang="en-US" dirty="0"/>
+          </a:p>
+        </p:txBody>
+      </p:sp>
+      <p:pic>
+        <p:nvPicPr>
+          <p:cNvPr id="4" name="内容占位符 3"/>
+          <p:cNvPicPr>
+            <a:picLocks noGrp="1" noChangeAspect="1"/>
+          </p:cNvPicPr>
+          <p:nvPr>
+            <p:ph idx="1"/>
+          </p:nvPr>
+        </p:nvPicPr>
+        <p:blipFill>
+          <a:blip r:embed="rId2"/>
+          <a:stretch>
+            <a:fillRect/>
+          </a:stretch>
+        </p:blipFill>
+        <p:spPr>
+          <a:xfrm>
+            <a:off x="2389790" y="1690688"/>
+            <a:ext cx="4038600" cy="1695450"/>
+          </a:xfrm>
+          <a:prstGeom prst="rect">
+            <a:avLst/>
+          </a:prstGeom>
+        </p:spPr>
+      </p:pic>
+      <p:pic>
+        <p:nvPicPr>
+          <p:cNvPr id="5" name="图片 4"/>
+          <p:cNvPicPr>
+            <a:picLocks noChangeAspect="1"/>
+          </p:cNvPicPr>
+          <p:nvPr/>
+        </p:nvPicPr>
+        <p:blipFill>
+          <a:blip r:embed="rId3"/>
+          <a:stretch>
+            <a:fillRect/>
+          </a:stretch>
+        </p:blipFill>
+        <p:spPr>
+          <a:xfrm>
+            <a:off x="4856600" y="3386138"/>
+            <a:ext cx="4181475" cy="1676400"/>
+          </a:xfrm>
+          <a:prstGeom prst="rect">
+            <a:avLst/>
+          </a:prstGeom>
+        </p:spPr>
+      </p:pic>
+    </p:spTree>
+    <p:extLst>
+      <p:ext uri="{BB962C8B-B14F-4D97-AF65-F5344CB8AC3E}">
+        <p14:creationId xmlns:p14="http://schemas.microsoft.com/office/powerpoint/2010/main" val="4096062905"/>
+      </p:ext>
+    </p:extLst>
+  </p:cSld>
+  <p:clrMapOvr>
+    <a:masterClrMapping/>
+  </p:clrMapOvr>
+</p:sld>
+</file>
+
+<file path=ppt/slides/slide29.xml><?xml version="1.0" encoding="utf-8"?>
+<p:sld xmlns:a="http://schemas.openxmlformats.org/drawingml/2006/main" xmlns:r="http://schemas.openxmlformats.org/officeDocument/2006/relationships" xmlns:p="http://schemas.openxmlformats.org/presentationml/2006/main">
+  <p:cSld>
+    <p:spTree>
+      <p:nvGrpSpPr>
+        <p:cNvPr id="1" name=""/>
+        <p:cNvGrpSpPr/>
+        <p:nvPr/>
+      </p:nvGrpSpPr>
+      <p:grpSpPr>
+        <a:xfrm>
+          <a:off x="0" y="0"/>
+          <a:ext cx="0" cy="0"/>
+          <a:chOff x="0" y="0"/>
+          <a:chExt cx="0" cy="0"/>
+        </a:xfrm>
+      </p:grpSpPr>
+      <p:sp>
+        <p:nvSpPr>
+          <p:cNvPr id="2" name="标题 1"/>
+          <p:cNvSpPr>
+            <a:spLocks noGrp="1"/>
+          </p:cNvSpPr>
+          <p:nvPr>
+            <p:ph type="title"/>
+          </p:nvPr>
+        </p:nvSpPr>
+        <p:spPr/>
+        <p:txBody>
+          <a:bodyPr/>
+          <a:lstStyle/>
+          <a:p>
+            <a:r>
+              <a:rPr lang="en-US" altLang="zh-CN" dirty="0" smtClean="0"/>
+              <a:t>Let’s Encrypt + </a:t>
+            </a:r>
+            <a:r>
+              <a:rPr lang="en-US" altLang="zh-CN" dirty="0" err="1" smtClean="0"/>
+              <a:t>Nginx+centos</a:t>
+            </a:r>
+            <a:r>
+              <a:rPr lang="zh-CN" altLang="en-US" dirty="0" smtClean="0"/>
+              <a:t>构建</a:t>
+            </a:r>
+            <a:r>
+              <a:rPr lang="en-US" altLang="zh-CN" dirty="0" smtClean="0"/>
+              <a:t>https</a:t>
+            </a:r>
+            <a:r>
+              <a:rPr lang="zh-CN" altLang="en-US" dirty="0" smtClean="0"/>
+              <a:t>网站</a:t>
+            </a:r>
+            <a:endParaRPr lang="zh-CN" altLang="en-US" dirty="0"/>
+          </a:p>
+        </p:txBody>
+      </p:sp>
+      <p:sp>
+        <p:nvSpPr>
+          <p:cNvPr id="3" name="内容占位符 2"/>
+          <p:cNvSpPr>
+            <a:spLocks noGrp="1"/>
+          </p:cNvSpPr>
+          <p:nvPr>
+            <p:ph idx="1"/>
+          </p:nvPr>
+        </p:nvSpPr>
+        <p:spPr/>
+        <p:txBody>
+          <a:bodyPr/>
+          <a:lstStyle/>
+          <a:p>
+            <a:r>
+              <a:rPr lang="en-US" altLang="zh-CN" dirty="0">
+                <a:hlinkClick r:id="rId2"/>
+              </a:rPr>
+              <a:t>https://letsencrypt.org/getting-started</a:t>
+            </a:r>
+            <a:r>
+              <a:rPr lang="en-US" altLang="zh-CN" dirty="0" smtClean="0">
+                <a:hlinkClick r:id="rId2"/>
+              </a:rPr>
+              <a:t>/</a:t>
+            </a:r>
+            <a:endParaRPr lang="en-US" altLang="zh-CN" dirty="0" smtClean="0"/>
+          </a:p>
+          <a:p>
+            <a:endParaRPr lang="en-US" altLang="zh-CN" dirty="0"/>
+          </a:p>
+          <a:p>
+            <a:r>
+              <a:rPr lang="en-US" altLang="zh-CN" dirty="0">
+                <a:hlinkClick r:id="rId3"/>
+              </a:rPr>
+              <a:t>https://</a:t>
+            </a:r>
+            <a:r>
+              <a:rPr lang="en-US" altLang="zh-CN" dirty="0" smtClean="0">
+                <a:hlinkClick r:id="rId3"/>
+              </a:rPr>
+              <a:t>certbot.eff.org/lets-encrypt/centosrhel7-nginx</a:t>
+            </a:r>
+            <a:endParaRPr lang="en-US" altLang="zh-CN" dirty="0" smtClean="0"/>
+          </a:p>
+          <a:p>
+            <a:endParaRPr lang="en-US" altLang="zh-CN" dirty="0"/>
+          </a:p>
+          <a:p>
+            <a:r>
+              <a:rPr lang="zh-CN" altLang="en-US" dirty="0" smtClean="0"/>
+              <a:t>注意</a:t>
+            </a:r>
+            <a:r>
+              <a:rPr lang="en-US" altLang="zh-CN" dirty="0" err="1" smtClean="0"/>
+              <a:t>certbot</a:t>
+            </a:r>
+            <a:r>
+              <a:rPr lang="zh-CN" altLang="en-US" dirty="0" smtClean="0"/>
+              <a:t>的安装问题</a:t>
+            </a:r>
+            <a:endParaRPr lang="zh-CN" altLang="en-US" dirty="0"/>
+          </a:p>
+        </p:txBody>
+      </p:sp>
+    </p:spTree>
+    <p:extLst>
+      <p:ext uri="{BB962C8B-B14F-4D97-AF65-F5344CB8AC3E}">
+        <p14:creationId xmlns:p14="http://schemas.microsoft.com/office/powerpoint/2010/main" val="1628977442"/>
       </p:ext>
     </p:extLst>
   </p:cSld>
@@ -6778,6 +8692,81 @@
       </p:par>
     </p:tnLst>
   </p:timing>
+</p:sld>
+</file>
+
+<file path=ppt/slides/slide30.xml><?xml version="1.0" encoding="utf-8"?>
+<p:sld xmlns:a="http://schemas.openxmlformats.org/drawingml/2006/main" xmlns:r="http://schemas.openxmlformats.org/officeDocument/2006/relationships" xmlns:p="http://schemas.openxmlformats.org/presentationml/2006/main">
+  <p:cSld>
+    <p:spTree>
+      <p:nvGrpSpPr>
+        <p:cNvPr id="1" name=""/>
+        <p:cNvGrpSpPr/>
+        <p:nvPr/>
+      </p:nvGrpSpPr>
+      <p:grpSpPr>
+        <a:xfrm>
+          <a:off x="0" y="0"/>
+          <a:ext cx="0" cy="0"/>
+          <a:chOff x="0" y="0"/>
+          <a:chExt cx="0" cy="0"/>
+        </a:xfrm>
+      </p:grpSpPr>
+      <p:sp>
+        <p:nvSpPr>
+          <p:cNvPr id="2" name="标题 1"/>
+          <p:cNvSpPr>
+            <a:spLocks noGrp="1"/>
+          </p:cNvSpPr>
+          <p:nvPr>
+            <p:ph type="title"/>
+          </p:nvPr>
+        </p:nvSpPr>
+        <p:spPr/>
+        <p:txBody>
+          <a:bodyPr/>
+          <a:lstStyle/>
+          <a:p>
+            <a:endParaRPr lang="zh-CN" altLang="en-US"/>
+          </a:p>
+        </p:txBody>
+      </p:sp>
+      <p:pic>
+        <p:nvPicPr>
+          <p:cNvPr id="4" name="内容占位符 3"/>
+          <p:cNvPicPr>
+            <a:picLocks noGrp="1" noChangeAspect="1"/>
+          </p:cNvPicPr>
+          <p:nvPr>
+            <p:ph idx="1"/>
+          </p:nvPr>
+        </p:nvPicPr>
+        <p:blipFill>
+          <a:blip r:embed="rId2"/>
+          <a:stretch>
+            <a:fillRect/>
+          </a:stretch>
+        </p:blipFill>
+        <p:spPr>
+          <a:xfrm>
+            <a:off x="1198179" y="1869753"/>
+            <a:ext cx="8844455" cy="4776808"/>
+          </a:xfrm>
+          <a:prstGeom prst="rect">
+            <a:avLst/>
+          </a:prstGeom>
+        </p:spPr>
+      </p:pic>
+    </p:spTree>
+    <p:extLst>
+      <p:ext uri="{BB962C8B-B14F-4D97-AF65-F5344CB8AC3E}">
+        <p14:creationId xmlns:p14="http://schemas.microsoft.com/office/powerpoint/2010/main" val="1139192449"/>
+      </p:ext>
+    </p:extLst>
+  </p:cSld>
+  <p:clrMapOvr>
+    <a:masterClrMapping/>
+  </p:clrMapOvr>
 </p:sld>
 </file>
 
